--- a/Presentation/ML Tribore Presentation DRAFT 2.0.pptx
+++ b/Presentation/ML Tribore Presentation DRAFT 2.0.pptx
@@ -230,7 +230,7 @@
           <a:p>
             <a:fld id="{43210269-EC94-4E9D-8C21-DBC85C458A09}" type="datetimeFigureOut">
               <a:rPr lang="en-US" smtClean="0"/>
-              <a:t>8/26/19</a:t>
+              <a:t>8/27/19</a:t>
             </a:fld>
             <a:endParaRPr lang="en-US"/>
           </a:p>
@@ -4185,7 +4185,7 @@
           <a:p>
             <a:fld id="{75DE1088-C58E-428B-836B-E3E910FE376C}" type="datetimeFigureOut">
               <a:rPr lang="en-US" smtClean="0"/>
-              <a:t>8/26/19</a:t>
+              <a:t>8/27/19</a:t>
             </a:fld>
             <a:endParaRPr lang="en-US"/>
           </a:p>
@@ -4438,7 +4438,7 @@
           <a:p>
             <a:fld id="{75DE1088-C58E-428B-836B-E3E910FE376C}" type="datetimeFigureOut">
               <a:rPr lang="en-US" smtClean="0"/>
-              <a:t>8/26/19</a:t>
+              <a:t>8/27/19</a:t>
             </a:fld>
             <a:endParaRPr lang="en-US"/>
           </a:p>
@@ -4646,7 +4646,7 @@
           <a:p>
             <a:fld id="{75DE1088-C58E-428B-836B-E3E910FE376C}" type="datetimeFigureOut">
               <a:rPr lang="en-US" smtClean="0"/>
-              <a:t>8/26/19</a:t>
+              <a:t>8/27/19</a:t>
             </a:fld>
             <a:endParaRPr lang="en-US"/>
           </a:p>
@@ -4900,7 +4900,7 @@
           <a:p>
             <a:fld id="{75DE1088-C58E-428B-836B-E3E910FE376C}" type="datetimeFigureOut">
               <a:rPr lang="en-US" smtClean="0"/>
-              <a:t>8/26/19</a:t>
+              <a:t>8/27/19</a:t>
             </a:fld>
             <a:endParaRPr lang="en-US"/>
           </a:p>
@@ -5231,7 +5231,7 @@
           <a:p>
             <a:fld id="{75DE1088-C58E-428B-836B-E3E910FE376C}" type="datetimeFigureOut">
               <a:rPr lang="en-US" smtClean="0"/>
-              <a:t>8/26/19</a:t>
+              <a:t>8/27/19</a:t>
             </a:fld>
             <a:endParaRPr lang="en-US"/>
           </a:p>
@@ -5496,7 +5496,7 @@
           <a:p>
             <a:fld id="{75DE1088-C58E-428B-836B-E3E910FE376C}" type="datetimeFigureOut">
               <a:rPr lang="en-US" smtClean="0"/>
-              <a:t>8/26/19</a:t>
+              <a:t>8/27/19</a:t>
             </a:fld>
             <a:endParaRPr lang="en-US"/>
           </a:p>
@@ -5908,7 +5908,7 @@
           <a:p>
             <a:fld id="{75DE1088-C58E-428B-836B-E3E910FE376C}" type="datetimeFigureOut">
               <a:rPr lang="en-US" smtClean="0"/>
-              <a:t>8/26/19</a:t>
+              <a:t>8/27/19</a:t>
             </a:fld>
             <a:endParaRPr lang="en-US"/>
           </a:p>
@@ -6059,7 +6059,7 @@
           <a:p>
             <a:fld id="{75DE1088-C58E-428B-836B-E3E910FE376C}" type="datetimeFigureOut">
               <a:rPr lang="en-US" smtClean="0"/>
-              <a:t>8/26/19</a:t>
+              <a:t>8/27/19</a:t>
             </a:fld>
             <a:endParaRPr lang="en-US"/>
           </a:p>
@@ -6172,7 +6172,7 @@
           <a:p>
             <a:fld id="{75DE1088-C58E-428B-836B-E3E910FE376C}" type="datetimeFigureOut">
               <a:rPr lang="en-US" smtClean="0"/>
-              <a:t>8/26/19</a:t>
+              <a:t>8/27/19</a:t>
             </a:fld>
             <a:endParaRPr lang="en-US"/>
           </a:p>
@@ -6483,7 +6483,7 @@
           <a:p>
             <a:fld id="{75DE1088-C58E-428B-836B-E3E910FE376C}" type="datetimeFigureOut">
               <a:rPr lang="en-US" smtClean="0"/>
-              <a:t>8/26/19</a:t>
+              <a:t>8/27/19</a:t>
             </a:fld>
             <a:endParaRPr lang="en-US"/>
           </a:p>
@@ -6771,7 +6771,7 @@
           <a:p>
             <a:fld id="{75DE1088-C58E-428B-836B-E3E910FE376C}" type="datetimeFigureOut">
               <a:rPr lang="en-US" smtClean="0"/>
-              <a:t>8/26/19</a:t>
+              <a:t>8/27/19</a:t>
             </a:fld>
             <a:endParaRPr lang="en-US"/>
           </a:p>
@@ -7012,7 +7012,7 @@
           <a:p>
             <a:fld id="{75DE1088-C58E-428B-836B-E3E910FE376C}" type="datetimeFigureOut">
               <a:rPr lang="en-US" smtClean="0"/>
-              <a:t>8/26/19</a:t>
+              <a:t>8/27/19</a:t>
             </a:fld>
             <a:endParaRPr lang="en-US"/>
           </a:p>
@@ -7454,31 +7454,6 @@
               <a:rPr lang="en-US" dirty="0"/>
               <a:t>Analysis and Predictions on the Ames Housing Market</a:t>
             </a:r>
-          </a:p>
-        </p:txBody>
-      </p:sp>
-      <p:sp>
-        <p:nvSpPr>
-          <p:cNvPr id="3" name="Subtitle 2">
-            <a:extLst>
-              <a:ext uri="{FF2B5EF4-FFF2-40B4-BE49-F238E27FC236}">
-                <a16:creationId xmlns:a16="http://schemas.microsoft.com/office/drawing/2014/main" id="{7A8C5615-1A27-427B-8F63-D50EB2135E85}"/>
-              </a:ext>
-            </a:extLst>
-          </p:cNvPr>
-          <p:cNvSpPr>
-            <a:spLocks noGrp="1"/>
-          </p:cNvSpPr>
-          <p:nvPr>
-            <p:ph type="subTitle" idx="1"/>
-          </p:nvPr>
-        </p:nvSpPr>
-        <p:spPr/>
-        <p:txBody>
-          <a:bodyPr/>
-          <a:lstStyle/>
-          <a:p>
-            <a:endParaRPr lang="en-US"/>
           </a:p>
         </p:txBody>
       </p:sp>
@@ -11440,7 +11415,7 @@
           <p:nvPr>
             <p:extLst>
               <p:ext uri="{D42A27DB-BD31-4B8C-83A1-F6EECF244321}">
-                <p14:modId xmlns:p14="http://schemas.microsoft.com/office/powerpoint/2010/main" val="3337159184"/>
+                <p14:modId xmlns:p14="http://schemas.microsoft.com/office/powerpoint/2010/main" val="3616970647"/>
               </p:ext>
             </p:extLst>
           </p:nvPr>
@@ -11847,7 +11822,9 @@
                       <a:r>
                         <a:rPr lang="en-US" sz="1800" b="1" dirty="0">
                           <a:solidFill>
-                            <a:schemeClr val="tx1"/>
+                            <a:schemeClr val="bg2">
+                              <a:lumMod val="75000"/>
+                            </a:schemeClr>
                           </a:solidFill>
                         </a:rPr>
                         <a:t>SGD:</a:t>
@@ -11864,7 +11841,9 @@
                       </a:pPr>
                       <a:endParaRPr lang="en-US" sz="1800" b="1" dirty="0">
                         <a:solidFill>
-                          <a:schemeClr val="tx1"/>
+                          <a:schemeClr val="bg2">
+                            <a:lumMod val="75000"/>
+                          </a:schemeClr>
                         </a:solidFill>
                       </a:endParaRPr>
                     </a:p>
@@ -11898,7 +11877,9 @@
                       <a:r>
                         <a:rPr lang="en-US" sz="1800" b="0" dirty="0">
                           <a:solidFill>
-                            <a:schemeClr val="tx1"/>
+                            <a:schemeClr val="bg2">
+                              <a:lumMod val="75000"/>
+                            </a:schemeClr>
                           </a:solidFill>
                         </a:rPr>
                         <a:t>{'alpha': 1e-05, 'epsilon': 0.01, '</a:t>
@@ -11906,7 +11887,9 @@
                       <a:r>
                         <a:rPr lang="en-US" sz="1800" b="0" dirty="0" err="1">
                           <a:solidFill>
-                            <a:schemeClr val="tx1"/>
+                            <a:schemeClr val="bg2">
+                              <a:lumMod val="75000"/>
+                            </a:schemeClr>
                           </a:solidFill>
                         </a:rPr>
                         <a:t>fit_intercept</a:t>
@@ -11914,7 +11897,9 @@
                       <a:r>
                         <a:rPr lang="en-US" sz="1800" b="0" dirty="0">
                           <a:solidFill>
-                            <a:schemeClr val="tx1"/>
+                            <a:schemeClr val="bg2">
+                              <a:lumMod val="75000"/>
+                            </a:schemeClr>
                           </a:solidFill>
                         </a:rPr>
                         <a:t>': True, '</a:t>
@@ -11922,7 +11907,9 @@
                       <a:r>
                         <a:rPr lang="en-US" sz="1800" b="0" dirty="0" err="1">
                           <a:solidFill>
-                            <a:schemeClr val="tx1"/>
+                            <a:schemeClr val="bg2">
+                              <a:lumMod val="75000"/>
+                            </a:schemeClr>
                           </a:solidFill>
                         </a:rPr>
                         <a:t>max_iter</a:t>
@@ -11930,7 +11917,9 @@
                       <a:r>
                         <a:rPr lang="en-US" sz="1800" b="0" dirty="0">
                           <a:solidFill>
-                            <a:schemeClr val="tx1"/>
+                            <a:schemeClr val="bg2">
+                              <a:lumMod val="75000"/>
+                            </a:schemeClr>
                           </a:solidFill>
                         </a:rPr>
                         <a:t>': 10000} </a:t>
@@ -11964,7 +11953,9 @@
                       <a:r>
                         <a:rPr lang="en-US" sz="1800" b="1" dirty="0">
                           <a:solidFill>
-                            <a:schemeClr val="tx1"/>
+                            <a:schemeClr val="bg2">
+                              <a:lumMod val="75000"/>
+                            </a:schemeClr>
                           </a:solidFill>
                         </a:rPr>
                         <a:t>Decision Tree:</a:t>
@@ -11981,7 +11972,9 @@
                       </a:pPr>
                       <a:endParaRPr lang="en-US" sz="1800" b="1" dirty="0">
                         <a:solidFill>
-                          <a:schemeClr val="tx1"/>
+                          <a:schemeClr val="bg2">
+                            <a:lumMod val="75000"/>
+                          </a:schemeClr>
                         </a:solidFill>
                       </a:endParaRPr>
                     </a:p>
@@ -12006,7 +11999,9 @@
                       <a:r>
                         <a:rPr lang="en-US" sz="1800" b="0" dirty="0">
                           <a:solidFill>
-                            <a:schemeClr val="tx1"/>
+                            <a:schemeClr val="bg2">
+                              <a:lumMod val="75000"/>
+                            </a:schemeClr>
                           </a:solidFill>
                         </a:rPr>
                         <a:t>{'</a:t>
@@ -12014,7 +12009,9 @@
                       <a:r>
                         <a:rPr lang="en-US" sz="1800" b="0" dirty="0" err="1">
                           <a:solidFill>
-                            <a:schemeClr val="tx1"/>
+                            <a:schemeClr val="bg2">
+                              <a:lumMod val="75000"/>
+                            </a:schemeClr>
                           </a:solidFill>
                         </a:rPr>
                         <a:t>max_depth</a:t>
@@ -12022,7 +12019,9 @@
                       <a:r>
                         <a:rPr lang="en-US" sz="1800" b="0" dirty="0">
                           <a:solidFill>
-                            <a:schemeClr val="tx1"/>
+                            <a:schemeClr val="bg2">
+                              <a:lumMod val="75000"/>
+                            </a:schemeClr>
                           </a:solidFill>
                         </a:rPr>
                         <a:t>': 9, '</a:t>
@@ -12030,7 +12029,9 @@
                       <a:r>
                         <a:rPr lang="en-US" sz="1800" b="0" dirty="0" err="1">
                           <a:solidFill>
-                            <a:schemeClr val="tx1"/>
+                            <a:schemeClr val="bg2">
+                              <a:lumMod val="75000"/>
+                            </a:schemeClr>
                           </a:solidFill>
                         </a:rPr>
                         <a:t>max_features</a:t>
@@ -12038,7 +12039,9 @@
                       <a:r>
                         <a:rPr lang="en-US" sz="1800" b="0" dirty="0">
                           <a:solidFill>
-                            <a:schemeClr val="tx1"/>
+                            <a:schemeClr val="bg2">
+                              <a:lumMod val="75000"/>
+                            </a:schemeClr>
                           </a:solidFill>
                         </a:rPr>
                         <a:t>': 10, '</a:t>
@@ -12046,7 +12049,9 @@
                       <a:r>
                         <a:rPr lang="en-US" sz="1800" b="0" dirty="0" err="1">
                           <a:solidFill>
-                            <a:schemeClr val="tx1"/>
+                            <a:schemeClr val="bg2">
+                              <a:lumMod val="75000"/>
+                            </a:schemeClr>
                           </a:solidFill>
                         </a:rPr>
                         <a:t>max_leaf_nodes</a:t>
@@ -12054,7 +12059,9 @@
                       <a:r>
                         <a:rPr lang="en-US" sz="1800" b="0" dirty="0">
                           <a:solidFill>
-                            <a:schemeClr val="tx1"/>
+                            <a:schemeClr val="bg2">
+                              <a:lumMod val="75000"/>
+                            </a:schemeClr>
                           </a:solidFill>
                         </a:rPr>
                         <a:t>': None, '</a:t>
@@ -12062,7 +12069,9 @@
                       <a:r>
                         <a:rPr lang="en-US" sz="1800" b="0" dirty="0" err="1">
                           <a:solidFill>
-                            <a:schemeClr val="tx1"/>
+                            <a:schemeClr val="bg2">
+                              <a:lumMod val="75000"/>
+                            </a:schemeClr>
                           </a:solidFill>
                         </a:rPr>
                         <a:t>min_samples_split</a:t>
@@ -12070,7 +12079,9 @@
                       <a:r>
                         <a:rPr lang="en-US" sz="1800" b="0" dirty="0">
                           <a:solidFill>
-                            <a:schemeClr val="tx1"/>
+                            <a:schemeClr val="bg2">
+                              <a:lumMod val="75000"/>
+                            </a:schemeClr>
                           </a:solidFill>
                         </a:rPr>
                         <a:t>': 20, 'presort': True, '</a:t>
@@ -12078,7 +12089,9 @@
                       <a:r>
                         <a:rPr lang="en-US" sz="1800" b="0" dirty="0" err="1">
                           <a:solidFill>
-                            <a:schemeClr val="tx1"/>
+                            <a:schemeClr val="bg2">
+                              <a:lumMod val="75000"/>
+                            </a:schemeClr>
                           </a:solidFill>
                         </a:rPr>
                         <a:t>random_state</a:t>
@@ -12086,7 +12099,9 @@
                       <a:r>
                         <a:rPr lang="en-US" sz="1800" b="0" dirty="0">
                           <a:solidFill>
-                            <a:schemeClr val="tx1"/>
+                            <a:schemeClr val="bg2">
+                              <a:lumMod val="75000"/>
+                            </a:schemeClr>
                           </a:solidFill>
                         </a:rPr>
                         <a:t>': 5} </a:t>
@@ -12120,7 +12135,9 @@
                       <a:r>
                         <a:rPr lang="en-US" sz="1800" b="1" dirty="0">
                           <a:solidFill>
-                            <a:schemeClr val="tx1"/>
+                            <a:schemeClr val="bg2">
+                              <a:lumMod val="75000"/>
+                            </a:schemeClr>
                           </a:solidFill>
                         </a:rPr>
                         <a:t>Random Forest:</a:t>
@@ -12137,7 +12154,9 @@
                       </a:pPr>
                       <a:endParaRPr lang="en-US" sz="1800" b="1" dirty="0">
                         <a:solidFill>
-                          <a:schemeClr val="tx1"/>
+                          <a:schemeClr val="bg2">
+                            <a:lumMod val="75000"/>
+                          </a:schemeClr>
                         </a:solidFill>
                       </a:endParaRPr>
                     </a:p>
@@ -12171,7 +12190,9 @@
                       <a:r>
                         <a:rPr lang="en-US" sz="1800" b="0" dirty="0">
                           <a:solidFill>
-                            <a:schemeClr val="tx1"/>
+                            <a:schemeClr val="bg2">
+                              <a:lumMod val="75000"/>
+                            </a:schemeClr>
                           </a:solidFill>
                         </a:rPr>
                         <a:t>{'</a:t>
@@ -12179,7 +12200,9 @@
                       <a:r>
                         <a:rPr lang="en-US" sz="1800" b="0" dirty="0" err="1">
                           <a:solidFill>
-                            <a:schemeClr val="tx1"/>
+                            <a:schemeClr val="bg2">
+                              <a:lumMod val="75000"/>
+                            </a:schemeClr>
                           </a:solidFill>
                         </a:rPr>
                         <a:t>min_samples_split</a:t>
@@ -12187,7 +12210,9 @@
                       <a:r>
                         <a:rPr lang="en-US" sz="1800" b="0" dirty="0">
                           <a:solidFill>
-                            <a:schemeClr val="tx1"/>
+                            <a:schemeClr val="bg2">
+                              <a:lumMod val="75000"/>
+                            </a:schemeClr>
                           </a:solidFill>
                         </a:rPr>
                         <a:t>': 3, '</a:t>
@@ -12195,7 +12220,9 @@
                       <a:r>
                         <a:rPr lang="en-US" sz="1800" b="0" dirty="0" err="1">
                           <a:solidFill>
-                            <a:schemeClr val="tx1"/>
+                            <a:schemeClr val="bg2">
+                              <a:lumMod val="75000"/>
+                            </a:schemeClr>
                           </a:solidFill>
                         </a:rPr>
                         <a:t>n_estimators</a:t>
@@ -12203,7 +12230,9 @@
                       <a:r>
                         <a:rPr lang="en-US" sz="1800" b="0" dirty="0">
                           <a:solidFill>
-                            <a:schemeClr val="tx1"/>
+                            <a:schemeClr val="bg2">
+                              <a:lumMod val="75000"/>
+                            </a:schemeClr>
                           </a:solidFill>
                         </a:rPr>
                         <a:t>': 100, '</a:t>
@@ -12211,7 +12240,9 @@
                       <a:r>
                         <a:rPr lang="en-US" sz="1800" b="0" dirty="0" err="1">
                           <a:solidFill>
-                            <a:schemeClr val="tx1"/>
+                            <a:schemeClr val="bg2">
+                              <a:lumMod val="75000"/>
+                            </a:schemeClr>
                           </a:solidFill>
                         </a:rPr>
                         <a:t>random_state</a:t>
@@ -12219,7 +12250,9 @@
                       <a:r>
                         <a:rPr lang="en-US" sz="1800" b="0" dirty="0">
                           <a:solidFill>
-                            <a:schemeClr val="tx1"/>
+                            <a:schemeClr val="bg2">
+                              <a:lumMod val="75000"/>
+                            </a:schemeClr>
                           </a:solidFill>
                         </a:rPr>
                         <a:t>': 5}</a:t>
@@ -12253,7 +12286,9 @@
                       <a:r>
                         <a:rPr lang="en-US" sz="1800" b="1" dirty="0">
                           <a:solidFill>
-                            <a:schemeClr val="tx1"/>
+                            <a:schemeClr val="bg2">
+                              <a:lumMod val="75000"/>
+                            </a:schemeClr>
                           </a:solidFill>
                         </a:rPr>
                         <a:t>KNN:</a:t>
@@ -12289,7 +12324,9 @@
                       <a:r>
                         <a:rPr lang="en-US" sz="1800" b="0" dirty="0">
                           <a:solidFill>
-                            <a:schemeClr val="tx1"/>
+                            <a:schemeClr val="bg2">
+                              <a:lumMod val="75000"/>
+                            </a:schemeClr>
                           </a:solidFill>
                         </a:rPr>
                         <a:t>{'algorithm': 'brute', '</a:t>
@@ -12297,7 +12334,9 @@
                       <a:r>
                         <a:rPr lang="en-US" sz="1800" b="0" dirty="0" err="1">
                           <a:solidFill>
-                            <a:schemeClr val="tx1"/>
+                            <a:schemeClr val="bg2">
+                              <a:lumMod val="75000"/>
+                            </a:schemeClr>
                           </a:solidFill>
                         </a:rPr>
                         <a:t>n_neighbors</a:t>
@@ -12305,7 +12344,9 @@
                       <a:r>
                         <a:rPr lang="en-US" sz="1800" b="0" dirty="0">
                           <a:solidFill>
-                            <a:schemeClr val="tx1"/>
+                            <a:schemeClr val="bg2">
+                              <a:lumMod val="75000"/>
+                            </a:schemeClr>
                           </a:solidFill>
                         </a:rPr>
                         <a:t>': 7, 'weights': 'distance'}</a:t>
@@ -12622,10 +12663,10 @@
       </p:sp>
       <p:pic>
         <p:nvPicPr>
-          <p:cNvPr id="9" name="Picture 8">
+          <p:cNvPr id="4" name="Picture 3">
             <a:extLst>
               <a:ext uri="{FF2B5EF4-FFF2-40B4-BE49-F238E27FC236}">
-                <a16:creationId xmlns:a16="http://schemas.microsoft.com/office/drawing/2014/main" id="{3242EA77-FE3F-1145-8662-B3EFE93CCD85}"/>
+                <a16:creationId xmlns:a16="http://schemas.microsoft.com/office/drawing/2014/main" id="{7A8FAC2F-C254-EE4D-ABC2-5F98982434E7}"/>
               </a:ext>
             </a:extLst>
           </p:cNvPr>
@@ -12642,8 +12683,8 @@
         </p:blipFill>
         <p:spPr>
           <a:xfrm>
-            <a:off x="749090" y="1322684"/>
-            <a:ext cx="7759700" cy="5016500"/>
+            <a:off x="2286000" y="819150"/>
+            <a:ext cx="7620000" cy="5219700"/>
           </a:xfrm>
           <a:prstGeom prst="rect">
             <a:avLst/>
